--- a/img/ins/memory_seperate/memory_slides.pptx
+++ b/img/ins/memory_seperate/memory_slides.pptx
@@ -274,7 +274,7 @@
           <a:p>
             <a:fld id="{7501A6E5-47E3-4C2B-BA6E-05B5E8FAD7EB}" type="datetimeFigureOut">
               <a:rPr lang="en-GB" smtClean="0"/>
-              <a:t>30/04/2020</a:t>
+              <a:t>01/05/2020</a:t>
             </a:fld>
             <a:endParaRPr lang="en-GB"/>
           </a:p>
@@ -482,7 +482,7 @@
           <a:p>
             <a:fld id="{7501A6E5-47E3-4C2B-BA6E-05B5E8FAD7EB}" type="datetimeFigureOut">
               <a:rPr lang="en-GB" smtClean="0"/>
-              <a:t>30/04/2020</a:t>
+              <a:t>01/05/2020</a:t>
             </a:fld>
             <a:endParaRPr lang="en-GB"/>
           </a:p>
@@ -700,7 +700,7 @@
           <a:p>
             <a:fld id="{7501A6E5-47E3-4C2B-BA6E-05B5E8FAD7EB}" type="datetimeFigureOut">
               <a:rPr lang="en-GB" smtClean="0"/>
-              <a:t>30/04/2020</a:t>
+              <a:t>01/05/2020</a:t>
             </a:fld>
             <a:endParaRPr lang="en-GB"/>
           </a:p>
@@ -908,7 +908,7 @@
           <a:p>
             <a:fld id="{7501A6E5-47E3-4C2B-BA6E-05B5E8FAD7EB}" type="datetimeFigureOut">
               <a:rPr lang="en-GB" smtClean="0"/>
-              <a:t>30/04/2020</a:t>
+              <a:t>01/05/2020</a:t>
             </a:fld>
             <a:endParaRPr lang="en-GB"/>
           </a:p>
@@ -1192,7 +1192,7 @@
           <a:p>
             <a:fld id="{7501A6E5-47E3-4C2B-BA6E-05B5E8FAD7EB}" type="datetimeFigureOut">
               <a:rPr lang="en-GB" smtClean="0"/>
-              <a:t>30/04/2020</a:t>
+              <a:t>01/05/2020</a:t>
             </a:fld>
             <a:endParaRPr lang="en-GB"/>
           </a:p>
@@ -1468,7 +1468,7 @@
           <a:p>
             <a:fld id="{7501A6E5-47E3-4C2B-BA6E-05B5E8FAD7EB}" type="datetimeFigureOut">
               <a:rPr lang="en-GB" smtClean="0"/>
-              <a:t>30/04/2020</a:t>
+              <a:t>01/05/2020</a:t>
             </a:fld>
             <a:endParaRPr lang="en-GB"/>
           </a:p>
@@ -1891,7 +1891,7 @@
           <a:p>
             <a:fld id="{7501A6E5-47E3-4C2B-BA6E-05B5E8FAD7EB}" type="datetimeFigureOut">
               <a:rPr lang="en-GB" smtClean="0"/>
-              <a:t>30/04/2020</a:t>
+              <a:t>01/05/2020</a:t>
             </a:fld>
             <a:endParaRPr lang="en-GB"/>
           </a:p>
@@ -2041,7 +2041,7 @@
           <a:p>
             <a:fld id="{7501A6E5-47E3-4C2B-BA6E-05B5E8FAD7EB}" type="datetimeFigureOut">
               <a:rPr lang="en-GB" smtClean="0"/>
-              <a:t>30/04/2020</a:t>
+              <a:t>01/05/2020</a:t>
             </a:fld>
             <a:endParaRPr lang="en-GB"/>
           </a:p>
@@ -2162,7 +2162,7 @@
           <a:p>
             <a:fld id="{7501A6E5-47E3-4C2B-BA6E-05B5E8FAD7EB}" type="datetimeFigureOut">
               <a:rPr lang="en-GB" smtClean="0"/>
-              <a:t>30/04/2020</a:t>
+              <a:t>01/05/2020</a:t>
             </a:fld>
             <a:endParaRPr lang="en-GB"/>
           </a:p>
@@ -2483,7 +2483,7 @@
           <a:p>
             <a:fld id="{7501A6E5-47E3-4C2B-BA6E-05B5E8FAD7EB}" type="datetimeFigureOut">
               <a:rPr lang="en-GB" smtClean="0"/>
-              <a:t>30/04/2020</a:t>
+              <a:t>01/05/2020</a:t>
             </a:fld>
             <a:endParaRPr lang="en-GB"/>
           </a:p>
@@ -2780,7 +2780,7 @@
           <a:p>
             <a:fld id="{7501A6E5-47E3-4C2B-BA6E-05B5E8FAD7EB}" type="datetimeFigureOut">
               <a:rPr lang="en-GB" smtClean="0"/>
-              <a:t>30/04/2020</a:t>
+              <a:t>01/05/2020</a:t>
             </a:fld>
             <a:endParaRPr lang="en-GB"/>
           </a:p>
@@ -3023,7 +3023,7 @@
           <a:p>
             <a:fld id="{7501A6E5-47E3-4C2B-BA6E-05B5E8FAD7EB}" type="datetimeFigureOut">
               <a:rPr lang="en-GB" smtClean="0"/>
-              <a:t>30/04/2020</a:t>
+              <a:t>01/05/2020</a:t>
             </a:fld>
             <a:endParaRPr lang="en-GB"/>
           </a:p>
@@ -3811,8 +3811,8 @@
         </p:nvSpPr>
         <p:spPr>
           <a:xfrm>
-            <a:off x="-452711" y="402632"/>
-            <a:ext cx="13459371" cy="1815882"/>
+            <a:off x="-439648" y="221923"/>
+            <a:ext cx="13459371" cy="1569660"/>
           </a:xfrm>
           <a:prstGeom prst="rect">
             <a:avLst/>
@@ -3827,42 +3827,42 @@
           <a:p>
             <a:pPr algn="ctr"/>
             <a:r>
-              <a:rPr lang="en-GB" sz="2800" dirty="0">
+              <a:rPr lang="en-GB" sz="2400" dirty="0">
                 <a:latin typeface="Arial" panose="020B0604020202020204" pitchFamily="34" charset="0"/>
                 <a:cs typeface="Arial" panose="020B0604020202020204" pitchFamily="34" charset="0"/>
               </a:rPr>
               <a:t>After the sequence</a:t>
             </a:r>
             <a:r>
-              <a:rPr lang="en-DE" sz="2800" dirty="0">
+              <a:rPr lang="en-DE" sz="2400" dirty="0">
                 <a:latin typeface="Arial" panose="020B0604020202020204" pitchFamily="34" charset="0"/>
                 <a:cs typeface="Arial" panose="020B0604020202020204" pitchFamily="34" charset="0"/>
               </a:rPr>
               <a:t> </a:t>
             </a:r>
             <a:r>
-              <a:rPr lang="en-GB" sz="2800" dirty="0">
+              <a:rPr lang="en-GB" sz="2400" dirty="0">
                 <a:latin typeface="Arial" panose="020B0604020202020204" pitchFamily="34" charset="0"/>
                 <a:cs typeface="Arial" panose="020B0604020202020204" pitchFamily="34" charset="0"/>
               </a:rPr>
               <a:t>a target face</a:t>
             </a:r>
             <a:r>
-              <a:rPr lang="en-DE" sz="2800" dirty="0">
+              <a:rPr lang="en-DE" sz="2400" dirty="0">
                 <a:latin typeface="Arial" panose="020B0604020202020204" pitchFamily="34" charset="0"/>
                 <a:cs typeface="Arial" panose="020B0604020202020204" pitchFamily="34" charset="0"/>
               </a:rPr>
               <a:t> will be presented to y</a:t>
             </a:r>
             <a:r>
-              <a:rPr lang="en-GB" sz="2800" dirty="0">
+              <a:rPr lang="en-GB" sz="2400" dirty="0">
                 <a:latin typeface="Arial" panose="020B0604020202020204" pitchFamily="34" charset="0"/>
                 <a:cs typeface="Arial" panose="020B0604020202020204" pitchFamily="34" charset="0"/>
               </a:rPr>
               <a:t>o</a:t>
             </a:r>
             <a:r>
-              <a:rPr lang="en-DE" sz="2800" dirty="0">
+              <a:rPr lang="en-DE" sz="2400" dirty="0">
                 <a:latin typeface="Arial" panose="020B0604020202020204" pitchFamily="34" charset="0"/>
                 <a:cs typeface="Arial" panose="020B0604020202020204" pitchFamily="34" charset="0"/>
               </a:rPr>
@@ -3871,7 +3871,7 @@
           </a:p>
           <a:p>
             <a:pPr algn="ctr"/>
-            <a:endParaRPr lang="en-DE" sz="2800" dirty="0">
+            <a:endParaRPr lang="en-DE" sz="2400" dirty="0">
               <a:latin typeface="Arial" panose="020B0604020202020204" pitchFamily="34" charset="0"/>
               <a:cs typeface="Arial" panose="020B0604020202020204" pitchFamily="34" charset="0"/>
             </a:endParaRPr>
@@ -3879,406 +3879,406 @@
           <a:p>
             <a:pPr algn="ctr"/>
             <a:r>
-              <a:rPr lang="en-DE" sz="2800" dirty="0">
+              <a:rPr lang="en-DE" sz="2400" dirty="0">
                 <a:latin typeface="Arial" panose="020B0604020202020204" pitchFamily="34" charset="0"/>
                 <a:cs typeface="Arial" panose="020B0604020202020204" pitchFamily="34" charset="0"/>
               </a:rPr>
               <a:t>W</a:t>
             </a:r>
             <a:r>
-              <a:rPr lang="en-GB" sz="2800" dirty="0">
+              <a:rPr lang="en-GB" sz="2400" dirty="0">
                 <a:latin typeface="Arial" panose="020B0604020202020204" pitchFamily="34" charset="0"/>
                 <a:cs typeface="Arial" panose="020B0604020202020204" pitchFamily="34" charset="0"/>
               </a:rPr>
               <a:t>e</a:t>
             </a:r>
             <a:r>
-              <a:rPr lang="en-DE" sz="2800" dirty="0">
+              <a:rPr lang="en-DE" sz="2400" dirty="0">
                 <a:latin typeface="Arial" panose="020B0604020202020204" pitchFamily="34" charset="0"/>
                 <a:cs typeface="Arial" panose="020B0604020202020204" pitchFamily="34" charset="0"/>
               </a:rPr>
               <a:t> </a:t>
             </a:r>
             <a:r>
-              <a:rPr lang="en-GB" sz="2800" dirty="0">
+              <a:rPr lang="en-GB" sz="2400" dirty="0">
                 <a:latin typeface="Arial" panose="020B0604020202020204" pitchFamily="34" charset="0"/>
                 <a:cs typeface="Arial" panose="020B0604020202020204" pitchFamily="34" charset="0"/>
               </a:rPr>
               <a:t>a</a:t>
             </a:r>
             <a:r>
-              <a:rPr lang="en-DE" sz="2800" dirty="0">
+              <a:rPr lang="en-DE" sz="2400" dirty="0">
                 <a:latin typeface="Arial" panose="020B0604020202020204" pitchFamily="34" charset="0"/>
                 <a:cs typeface="Arial" panose="020B0604020202020204" pitchFamily="34" charset="0"/>
               </a:rPr>
               <a:t>s</a:t>
             </a:r>
             <a:r>
-              <a:rPr lang="en-GB" sz="2800" dirty="0">
+              <a:rPr lang="en-GB" sz="2400" dirty="0">
                 <a:latin typeface="Arial" panose="020B0604020202020204" pitchFamily="34" charset="0"/>
                 <a:cs typeface="Arial" panose="020B0604020202020204" pitchFamily="34" charset="0"/>
               </a:rPr>
               <a:t>k</a:t>
             </a:r>
             <a:r>
-              <a:rPr lang="en-DE" sz="2800" dirty="0">
+              <a:rPr lang="en-DE" sz="2400" dirty="0">
                 <a:latin typeface="Arial" panose="020B0604020202020204" pitchFamily="34" charset="0"/>
                 <a:cs typeface="Arial" panose="020B0604020202020204" pitchFamily="34" charset="0"/>
               </a:rPr>
               <a:t> </a:t>
             </a:r>
             <a:r>
-              <a:rPr lang="en-GB" sz="2800" dirty="0">
+              <a:rPr lang="en-GB" sz="2400" dirty="0">
                 <a:latin typeface="Arial" panose="020B0604020202020204" pitchFamily="34" charset="0"/>
                 <a:cs typeface="Arial" panose="020B0604020202020204" pitchFamily="34" charset="0"/>
               </a:rPr>
               <a:t>y</a:t>
             </a:r>
             <a:r>
-              <a:rPr lang="en-DE" sz="2800" dirty="0">
+              <a:rPr lang="en-DE" sz="2400" dirty="0">
                 <a:latin typeface="Arial" panose="020B0604020202020204" pitchFamily="34" charset="0"/>
                 <a:cs typeface="Arial" panose="020B0604020202020204" pitchFamily="34" charset="0"/>
               </a:rPr>
               <a:t>o</a:t>
             </a:r>
             <a:r>
-              <a:rPr lang="en-GB" sz="2800" dirty="0">
+              <a:rPr lang="en-GB" sz="2400" dirty="0">
                 <a:latin typeface="Arial" panose="020B0604020202020204" pitchFamily="34" charset="0"/>
                 <a:cs typeface="Arial" panose="020B0604020202020204" pitchFamily="34" charset="0"/>
               </a:rPr>
               <a:t>u</a:t>
             </a:r>
             <a:r>
-              <a:rPr lang="en-DE" sz="2800" dirty="0">
+              <a:rPr lang="en-DE" sz="2400" dirty="0">
                 <a:latin typeface="Arial" panose="020B0604020202020204" pitchFamily="34" charset="0"/>
                 <a:cs typeface="Arial" panose="020B0604020202020204" pitchFamily="34" charset="0"/>
               </a:rPr>
               <a:t> </a:t>
             </a:r>
             <a:r>
-              <a:rPr lang="en-GB" sz="2800" dirty="0">
+              <a:rPr lang="en-GB" sz="2400" dirty="0">
                 <a:latin typeface="Arial" panose="020B0604020202020204" pitchFamily="34" charset="0"/>
                 <a:cs typeface="Arial" panose="020B0604020202020204" pitchFamily="34" charset="0"/>
               </a:rPr>
               <a:t>t</a:t>
             </a:r>
             <a:r>
-              <a:rPr lang="en-DE" sz="2800" dirty="0">
+              <a:rPr lang="en-DE" sz="2400" dirty="0">
                 <a:latin typeface="Arial" panose="020B0604020202020204" pitchFamily="34" charset="0"/>
                 <a:cs typeface="Arial" panose="020B0604020202020204" pitchFamily="34" charset="0"/>
               </a:rPr>
               <a:t>o </a:t>
             </a:r>
             <a:r>
-              <a:rPr lang="en-GB" sz="2800" b="1" dirty="0">
+              <a:rPr lang="en-GB" sz="2400" b="1" dirty="0">
                 <a:latin typeface="Arial" panose="020B0604020202020204" pitchFamily="34" charset="0"/>
                 <a:cs typeface="Arial" panose="020B0604020202020204" pitchFamily="34" charset="0"/>
               </a:rPr>
               <a:t>r</a:t>
             </a:r>
             <a:r>
-              <a:rPr lang="en-DE" sz="2800" b="1" dirty="0" err="1">
+              <a:rPr lang="en-DE" sz="2400" b="1" dirty="0" err="1">
                 <a:latin typeface="Arial" panose="020B0604020202020204" pitchFamily="34" charset="0"/>
                 <a:cs typeface="Arial" panose="020B0604020202020204" pitchFamily="34" charset="0"/>
               </a:rPr>
               <a:t>ecall</a:t>
             </a:r>
             <a:r>
-              <a:rPr lang="en-DE" sz="2800" dirty="0">
+              <a:rPr lang="en-DE" sz="2400" dirty="0">
                 <a:latin typeface="Arial" panose="020B0604020202020204" pitchFamily="34" charset="0"/>
                 <a:cs typeface="Arial" panose="020B0604020202020204" pitchFamily="34" charset="0"/>
               </a:rPr>
               <a:t>, </a:t>
             </a:r>
             <a:r>
-              <a:rPr lang="en-GB" sz="2800" dirty="0" err="1">
+              <a:rPr lang="en-GB" sz="2400" dirty="0" err="1">
                 <a:latin typeface="Arial" panose="020B0604020202020204" pitchFamily="34" charset="0"/>
                 <a:cs typeface="Arial" panose="020B0604020202020204" pitchFamily="34" charset="0"/>
               </a:rPr>
               <a:t>i</a:t>
             </a:r>
             <a:r>
-              <a:rPr lang="en-DE" sz="2800" dirty="0">
+              <a:rPr lang="en-DE" sz="2400" dirty="0">
                 <a:latin typeface="Arial" panose="020B0604020202020204" pitchFamily="34" charset="0"/>
                 <a:cs typeface="Arial" panose="020B0604020202020204" pitchFamily="34" charset="0"/>
               </a:rPr>
               <a:t>f </a:t>
             </a:r>
             <a:r>
-              <a:rPr lang="en-GB" sz="2800" dirty="0">
+              <a:rPr lang="en-GB" sz="2400" dirty="0">
                 <a:latin typeface="Arial" panose="020B0604020202020204" pitchFamily="34" charset="0"/>
                 <a:cs typeface="Arial" panose="020B0604020202020204" pitchFamily="34" charset="0"/>
               </a:rPr>
               <a:t>t</a:t>
             </a:r>
             <a:r>
-              <a:rPr lang="en-DE" sz="2800" dirty="0">
+              <a:rPr lang="en-DE" sz="2400" dirty="0">
                 <a:latin typeface="Arial" panose="020B0604020202020204" pitchFamily="34" charset="0"/>
                 <a:cs typeface="Arial" panose="020B0604020202020204" pitchFamily="34" charset="0"/>
               </a:rPr>
               <a:t>h</a:t>
             </a:r>
             <a:r>
-              <a:rPr lang="en-GB" sz="2800" dirty="0">
+              <a:rPr lang="en-GB" sz="2400" dirty="0">
                 <a:latin typeface="Arial" panose="020B0604020202020204" pitchFamily="34" charset="0"/>
                 <a:cs typeface="Arial" panose="020B0604020202020204" pitchFamily="34" charset="0"/>
               </a:rPr>
               <a:t>e</a:t>
             </a:r>
             <a:r>
-              <a:rPr lang="en-DE" sz="2800" dirty="0">
+              <a:rPr lang="en-DE" sz="2400" dirty="0">
                 <a:latin typeface="Arial" panose="020B0604020202020204" pitchFamily="34" charset="0"/>
                 <a:cs typeface="Arial" panose="020B0604020202020204" pitchFamily="34" charset="0"/>
               </a:rPr>
               <a:t> </a:t>
             </a:r>
             <a:r>
-              <a:rPr lang="en-GB" sz="2800" dirty="0">
+              <a:rPr lang="en-GB" sz="2400" dirty="0">
                 <a:latin typeface="Arial" panose="020B0604020202020204" pitchFamily="34" charset="0"/>
                 <a:cs typeface="Arial" panose="020B0604020202020204" pitchFamily="34" charset="0"/>
               </a:rPr>
               <a:t>t</a:t>
             </a:r>
             <a:r>
-              <a:rPr lang="en-DE" sz="2800" dirty="0">
+              <a:rPr lang="en-DE" sz="2400" dirty="0">
                 <a:latin typeface="Arial" panose="020B0604020202020204" pitchFamily="34" charset="0"/>
                 <a:cs typeface="Arial" panose="020B0604020202020204" pitchFamily="34" charset="0"/>
               </a:rPr>
               <a:t>h</a:t>
             </a:r>
             <a:r>
-              <a:rPr lang="en-GB" sz="2800" dirty="0">
+              <a:rPr lang="en-GB" sz="2400" dirty="0">
                 <a:latin typeface="Arial" panose="020B0604020202020204" pitchFamily="34" charset="0"/>
                 <a:cs typeface="Arial" panose="020B0604020202020204" pitchFamily="34" charset="0"/>
               </a:rPr>
               <a:t>e</a:t>
             </a:r>
             <a:r>
-              <a:rPr lang="en-DE" sz="2800" dirty="0">
+              <a:rPr lang="en-DE" sz="2400" dirty="0">
                 <a:latin typeface="Arial" panose="020B0604020202020204" pitchFamily="34" charset="0"/>
                 <a:cs typeface="Arial" panose="020B0604020202020204" pitchFamily="34" charset="0"/>
               </a:rPr>
               <a:t> </a:t>
             </a:r>
             <a:r>
-              <a:rPr lang="en-GB" sz="2800" dirty="0">
+              <a:rPr lang="en-GB" sz="2400" dirty="0">
                 <a:latin typeface="Arial" panose="020B0604020202020204" pitchFamily="34" charset="0"/>
                 <a:cs typeface="Arial" panose="020B0604020202020204" pitchFamily="34" charset="0"/>
               </a:rPr>
               <a:t>p</a:t>
             </a:r>
             <a:r>
-              <a:rPr lang="en-DE" sz="2800" dirty="0">
+              <a:rPr lang="en-DE" sz="2400" dirty="0">
                 <a:latin typeface="Arial" panose="020B0604020202020204" pitchFamily="34" charset="0"/>
                 <a:cs typeface="Arial" panose="020B0604020202020204" pitchFamily="34" charset="0"/>
               </a:rPr>
               <a:t>r</a:t>
             </a:r>
             <a:r>
-              <a:rPr lang="en-GB" sz="2800" dirty="0">
+              <a:rPr lang="en-GB" sz="2400" dirty="0">
                 <a:latin typeface="Arial" panose="020B0604020202020204" pitchFamily="34" charset="0"/>
                 <a:cs typeface="Arial" panose="020B0604020202020204" pitchFamily="34" charset="0"/>
               </a:rPr>
               <a:t>e</a:t>
             </a:r>
             <a:r>
-              <a:rPr lang="en-DE" sz="2800" dirty="0">
+              <a:rPr lang="en-DE" sz="2400" dirty="0">
                 <a:latin typeface="Arial" panose="020B0604020202020204" pitchFamily="34" charset="0"/>
                 <a:cs typeface="Arial" panose="020B0604020202020204" pitchFamily="34" charset="0"/>
               </a:rPr>
               <a:t>s</a:t>
             </a:r>
             <a:r>
-              <a:rPr lang="en-GB" sz="2800" dirty="0">
+              <a:rPr lang="en-GB" sz="2400" dirty="0">
                 <a:latin typeface="Arial" panose="020B0604020202020204" pitchFamily="34" charset="0"/>
                 <a:cs typeface="Arial" panose="020B0604020202020204" pitchFamily="34" charset="0"/>
               </a:rPr>
               <a:t>e</a:t>
             </a:r>
             <a:r>
-              <a:rPr lang="en-DE" sz="2800" dirty="0">
+              <a:rPr lang="en-DE" sz="2400" dirty="0">
                 <a:latin typeface="Arial" panose="020B0604020202020204" pitchFamily="34" charset="0"/>
                 <a:cs typeface="Arial" panose="020B0604020202020204" pitchFamily="34" charset="0"/>
               </a:rPr>
               <a:t>n</a:t>
             </a:r>
             <a:r>
-              <a:rPr lang="en-GB" sz="2800" dirty="0">
+              <a:rPr lang="en-GB" sz="2400" dirty="0">
                 <a:latin typeface="Arial" panose="020B0604020202020204" pitchFamily="34" charset="0"/>
                 <a:cs typeface="Arial" panose="020B0604020202020204" pitchFamily="34" charset="0"/>
               </a:rPr>
               <a:t>t</a:t>
             </a:r>
             <a:r>
-              <a:rPr lang="en-DE" sz="2800" dirty="0">
+              <a:rPr lang="en-DE" sz="2400" dirty="0">
                 <a:latin typeface="Arial" panose="020B0604020202020204" pitchFamily="34" charset="0"/>
                 <a:cs typeface="Arial" panose="020B0604020202020204" pitchFamily="34" charset="0"/>
               </a:rPr>
               <a:t>e</a:t>
             </a:r>
             <a:r>
-              <a:rPr lang="en-GB" sz="2800" dirty="0">
+              <a:rPr lang="en-GB" sz="2400" dirty="0">
                 <a:latin typeface="Arial" panose="020B0604020202020204" pitchFamily="34" charset="0"/>
                 <a:cs typeface="Arial" panose="020B0604020202020204" pitchFamily="34" charset="0"/>
               </a:rPr>
               <a:t>d</a:t>
             </a:r>
             <a:r>
-              <a:rPr lang="en-DE" sz="2800" dirty="0">
+              <a:rPr lang="en-DE" sz="2400" dirty="0">
                 <a:latin typeface="Arial" panose="020B0604020202020204" pitchFamily="34" charset="0"/>
                 <a:cs typeface="Arial" panose="020B0604020202020204" pitchFamily="34" charset="0"/>
               </a:rPr>
               <a:t> </a:t>
             </a:r>
             <a:r>
-              <a:rPr lang="en-GB" sz="2800" dirty="0">
+              <a:rPr lang="en-GB" sz="2400" dirty="0">
                 <a:latin typeface="Arial" panose="020B0604020202020204" pitchFamily="34" charset="0"/>
                 <a:cs typeface="Arial" panose="020B0604020202020204" pitchFamily="34" charset="0"/>
               </a:rPr>
               <a:t>f</a:t>
             </a:r>
             <a:r>
-              <a:rPr lang="en-DE" sz="2800" dirty="0">
+              <a:rPr lang="en-DE" sz="2400" dirty="0">
                 <a:latin typeface="Arial" panose="020B0604020202020204" pitchFamily="34" charset="0"/>
                 <a:cs typeface="Arial" panose="020B0604020202020204" pitchFamily="34" charset="0"/>
               </a:rPr>
               <a:t>a</a:t>
             </a:r>
             <a:r>
-              <a:rPr lang="en-GB" sz="2800" dirty="0">
+              <a:rPr lang="en-GB" sz="2400" dirty="0">
                 <a:latin typeface="Arial" panose="020B0604020202020204" pitchFamily="34" charset="0"/>
                 <a:cs typeface="Arial" panose="020B0604020202020204" pitchFamily="34" charset="0"/>
               </a:rPr>
               <a:t>c</a:t>
             </a:r>
             <a:r>
-              <a:rPr lang="en-DE" sz="2800" dirty="0">
+              <a:rPr lang="en-DE" sz="2400" dirty="0">
                 <a:latin typeface="Arial" panose="020B0604020202020204" pitchFamily="34" charset="0"/>
                 <a:cs typeface="Arial" panose="020B0604020202020204" pitchFamily="34" charset="0"/>
               </a:rPr>
               <a:t>e </a:t>
             </a:r>
             <a:r>
-              <a:rPr lang="en-GB" sz="2800" dirty="0">
+              <a:rPr lang="en-GB" sz="2400" dirty="0">
                 <a:latin typeface="Arial" panose="020B0604020202020204" pitchFamily="34" charset="0"/>
                 <a:cs typeface="Arial" panose="020B0604020202020204" pitchFamily="34" charset="0"/>
               </a:rPr>
               <a:t>w</a:t>
             </a:r>
             <a:r>
-              <a:rPr lang="en-DE" sz="2800" dirty="0">
+              <a:rPr lang="en-DE" sz="2400" dirty="0">
                 <a:latin typeface="Arial" panose="020B0604020202020204" pitchFamily="34" charset="0"/>
                 <a:cs typeface="Arial" panose="020B0604020202020204" pitchFamily="34" charset="0"/>
               </a:rPr>
               <a:t>a</a:t>
             </a:r>
             <a:r>
-              <a:rPr lang="en-GB" sz="2800" dirty="0">
+              <a:rPr lang="en-GB" sz="2400" dirty="0">
                 <a:latin typeface="Arial" panose="020B0604020202020204" pitchFamily="34" charset="0"/>
                 <a:cs typeface="Arial" panose="020B0604020202020204" pitchFamily="34" charset="0"/>
               </a:rPr>
               <a:t>s</a:t>
             </a:r>
             <a:r>
-              <a:rPr lang="en-DE" sz="2800" dirty="0">
+              <a:rPr lang="en-DE" sz="2400" dirty="0">
                 <a:latin typeface="Arial" panose="020B0604020202020204" pitchFamily="34" charset="0"/>
                 <a:cs typeface="Arial" panose="020B0604020202020204" pitchFamily="34" charset="0"/>
               </a:rPr>
               <a:t> </a:t>
             </a:r>
             <a:r>
-              <a:rPr lang="en-GB" sz="2800" dirty="0" err="1">
+              <a:rPr lang="en-GB" sz="2400" dirty="0" err="1">
                 <a:latin typeface="Arial" panose="020B0604020202020204" pitchFamily="34" charset="0"/>
                 <a:cs typeface="Arial" panose="020B0604020202020204" pitchFamily="34" charset="0"/>
               </a:rPr>
               <a:t>i</a:t>
             </a:r>
             <a:r>
-              <a:rPr lang="en-DE" sz="2800" dirty="0">
+              <a:rPr lang="en-DE" sz="2400" dirty="0">
                 <a:latin typeface="Arial" panose="020B0604020202020204" pitchFamily="34" charset="0"/>
                 <a:cs typeface="Arial" panose="020B0604020202020204" pitchFamily="34" charset="0"/>
               </a:rPr>
               <a:t>n </a:t>
             </a:r>
             <a:r>
-              <a:rPr lang="en-GB" sz="2800" dirty="0">
+              <a:rPr lang="en-GB" sz="2400" dirty="0">
                 <a:latin typeface="Arial" panose="020B0604020202020204" pitchFamily="34" charset="0"/>
                 <a:cs typeface="Arial" panose="020B0604020202020204" pitchFamily="34" charset="0"/>
               </a:rPr>
               <a:t>t</a:t>
             </a:r>
             <a:r>
-              <a:rPr lang="en-DE" sz="2800" dirty="0">
+              <a:rPr lang="en-DE" sz="2400" dirty="0">
                 <a:latin typeface="Arial" panose="020B0604020202020204" pitchFamily="34" charset="0"/>
                 <a:cs typeface="Arial" panose="020B0604020202020204" pitchFamily="34" charset="0"/>
               </a:rPr>
               <a:t>h</a:t>
             </a:r>
             <a:r>
-              <a:rPr lang="en-GB" sz="2800" dirty="0">
+              <a:rPr lang="en-GB" sz="2400" dirty="0">
                 <a:latin typeface="Arial" panose="020B0604020202020204" pitchFamily="34" charset="0"/>
                 <a:cs typeface="Arial" panose="020B0604020202020204" pitchFamily="34" charset="0"/>
               </a:rPr>
               <a:t>e</a:t>
             </a:r>
             <a:r>
-              <a:rPr lang="en-DE" sz="2800" dirty="0">
+              <a:rPr lang="en-DE" sz="2400" dirty="0">
                 <a:latin typeface="Arial" panose="020B0604020202020204" pitchFamily="34" charset="0"/>
                 <a:cs typeface="Arial" panose="020B0604020202020204" pitchFamily="34" charset="0"/>
               </a:rPr>
               <a:t> </a:t>
             </a:r>
             <a:r>
-              <a:rPr lang="en-GB" sz="2800" dirty="0">
+              <a:rPr lang="en-GB" sz="2400" dirty="0">
                 <a:latin typeface="Arial" panose="020B0604020202020204" pitchFamily="34" charset="0"/>
                 <a:cs typeface="Arial" panose="020B0604020202020204" pitchFamily="34" charset="0"/>
               </a:rPr>
               <a:t>s</a:t>
             </a:r>
             <a:r>
-              <a:rPr lang="en-DE" sz="2800" dirty="0">
+              <a:rPr lang="en-DE" sz="2400" dirty="0">
                 <a:latin typeface="Arial" panose="020B0604020202020204" pitchFamily="34" charset="0"/>
                 <a:cs typeface="Arial" panose="020B0604020202020204" pitchFamily="34" charset="0"/>
               </a:rPr>
               <a:t>e</a:t>
             </a:r>
             <a:r>
-              <a:rPr lang="en-GB" sz="2800" dirty="0">
+              <a:rPr lang="en-GB" sz="2400" dirty="0">
                 <a:latin typeface="Arial" panose="020B0604020202020204" pitchFamily="34" charset="0"/>
                 <a:cs typeface="Arial" panose="020B0604020202020204" pitchFamily="34" charset="0"/>
               </a:rPr>
               <a:t>q</a:t>
             </a:r>
             <a:r>
-              <a:rPr lang="en-DE" sz="2800" dirty="0">
+              <a:rPr lang="en-DE" sz="2400" dirty="0">
                 <a:latin typeface="Arial" panose="020B0604020202020204" pitchFamily="34" charset="0"/>
                 <a:cs typeface="Arial" panose="020B0604020202020204" pitchFamily="34" charset="0"/>
               </a:rPr>
               <a:t>u</a:t>
             </a:r>
             <a:r>
-              <a:rPr lang="en-GB" sz="2800" dirty="0">
+              <a:rPr lang="en-GB" sz="2400" dirty="0">
                 <a:latin typeface="Arial" panose="020B0604020202020204" pitchFamily="34" charset="0"/>
                 <a:cs typeface="Arial" panose="020B0604020202020204" pitchFamily="34" charset="0"/>
               </a:rPr>
               <a:t>e</a:t>
             </a:r>
             <a:r>
-              <a:rPr lang="en-DE" sz="2800" dirty="0">
+              <a:rPr lang="en-DE" sz="2400" dirty="0">
                 <a:latin typeface="Arial" panose="020B0604020202020204" pitchFamily="34" charset="0"/>
                 <a:cs typeface="Arial" panose="020B0604020202020204" pitchFamily="34" charset="0"/>
               </a:rPr>
               <a:t>n</a:t>
             </a:r>
             <a:r>
-              <a:rPr lang="en-GB" sz="2800" dirty="0">
+              <a:rPr lang="en-GB" sz="2400" dirty="0">
                 <a:latin typeface="Arial" panose="020B0604020202020204" pitchFamily="34" charset="0"/>
                 <a:cs typeface="Arial" panose="020B0604020202020204" pitchFamily="34" charset="0"/>
               </a:rPr>
               <a:t>c</a:t>
             </a:r>
             <a:r>
-              <a:rPr lang="en-DE" sz="2800" dirty="0">
+              <a:rPr lang="en-DE" sz="2400" dirty="0">
                 <a:latin typeface="Arial" panose="020B0604020202020204" pitchFamily="34" charset="0"/>
                 <a:cs typeface="Arial" panose="020B0604020202020204" pitchFamily="34" charset="0"/>
               </a:rPr>
@@ -4288,85 +4288,49 @@
           <a:p>
             <a:pPr algn="ctr"/>
             <a:r>
-              <a:rPr lang="en-DE" sz="2800" dirty="0">
+              <a:rPr lang="en-DE" sz="2400" dirty="0">
                 <a:latin typeface="Arial" panose="020B0604020202020204" pitchFamily="34" charset="0"/>
                 <a:cs typeface="Arial" panose="020B0604020202020204" pitchFamily="34" charset="0"/>
               </a:rPr>
               <a:t>that you just have see</a:t>
             </a:r>
             <a:r>
-              <a:rPr lang="en-GB" sz="2800" dirty="0">
+              <a:rPr lang="en-GB" sz="2400" dirty="0">
                 <a:latin typeface="Arial" panose="020B0604020202020204" pitchFamily="34" charset="0"/>
                 <a:cs typeface="Arial" panose="020B0604020202020204" pitchFamily="34" charset="0"/>
               </a:rPr>
               <a:t>n</a:t>
             </a:r>
             <a:r>
-              <a:rPr lang="en-DE" sz="2800" dirty="0">
+              <a:rPr lang="en-DE" sz="2400" dirty="0">
                 <a:latin typeface="Arial" panose="020B0604020202020204" pitchFamily="34" charset="0"/>
                 <a:cs typeface="Arial" panose="020B0604020202020204" pitchFamily="34" charset="0"/>
               </a:rPr>
               <a:t>.  </a:t>
             </a:r>
-            <a:endParaRPr lang="en-GB" sz="1600" dirty="0">
+            <a:endParaRPr lang="en-GB" sz="1400" dirty="0">
               <a:latin typeface="Arial" panose="020B0604020202020204" pitchFamily="34" charset="0"/>
               <a:cs typeface="Arial" panose="020B0604020202020204" pitchFamily="34" charset="0"/>
             </a:endParaRPr>
           </a:p>
         </p:txBody>
       </p:sp>
-      <p:pic>
-        <p:nvPicPr>
-          <p:cNvPr id="8" name="Picture 7" descr="A person smiling for the camera&#10;&#10;Description automatically generated">
-            <a:extLst>
-              <a:ext uri="{FF2B5EF4-FFF2-40B4-BE49-F238E27FC236}">
-                <a16:creationId xmlns:a16="http://schemas.microsoft.com/office/drawing/2014/main" id="{34D20E7C-B873-435F-85DE-CC0970C33128}"/>
-              </a:ext>
-            </a:extLst>
-          </p:cNvPr>
-          <p:cNvPicPr>
-            <a:picLocks noChangeAspect="1"/>
-          </p:cNvPicPr>
+      <p:sp>
+        <p:nvSpPr>
+          <p:cNvPr id="9" name="TextBox 8">
+            <a:extLst>
+              <a:ext uri="{FF2B5EF4-FFF2-40B4-BE49-F238E27FC236}">
+                <a16:creationId xmlns:a16="http://schemas.microsoft.com/office/drawing/2014/main" id="{00BA45CC-B085-452B-9EFA-A03E4C12F969}"/>
+              </a:ext>
+            </a:extLst>
+          </p:cNvPr>
+          <p:cNvSpPr txBox="1"/>
           <p:nvPr/>
-        </p:nvPicPr>
-        <p:blipFill>
-          <a:blip r:embed="rId2">
-            <a:extLst>
-              <a:ext uri="{28A0092B-C50C-407E-A947-70E740481C1C}">
-                <a14:useLocalDpi xmlns:a14="http://schemas.microsoft.com/office/drawing/2010/main" val="0"/>
-              </a:ext>
-            </a:extLst>
-          </a:blip>
-          <a:stretch>
-            <a:fillRect/>
-          </a:stretch>
-        </p:blipFill>
+        </p:nvSpPr>
         <p:spPr>
           <a:xfrm>
-            <a:off x="5153025" y="2218514"/>
-            <a:ext cx="1885950" cy="2420971"/>
-          </a:xfrm>
-          <a:prstGeom prst="rect">
-            <a:avLst/>
-          </a:prstGeom>
-        </p:spPr>
-      </p:pic>
-      <p:sp>
-        <p:nvSpPr>
-          <p:cNvPr id="9" name="TextBox 8">
-            <a:extLst>
-              <a:ext uri="{FF2B5EF4-FFF2-40B4-BE49-F238E27FC236}">
-                <a16:creationId xmlns:a16="http://schemas.microsoft.com/office/drawing/2014/main" id="{00BA45CC-B085-452B-9EFA-A03E4C12F969}"/>
-              </a:ext>
-            </a:extLst>
-          </p:cNvPr>
-          <p:cNvSpPr txBox="1"/>
-          <p:nvPr/>
-        </p:nvSpPr>
-        <p:spPr>
-          <a:xfrm>
-            <a:off x="-640036" y="5174720"/>
-            <a:ext cx="13459371" cy="1046440"/>
+            <a:off x="-773981" y="4568998"/>
+            <a:ext cx="13459371" cy="1384995"/>
           </a:xfrm>
           <a:prstGeom prst="rect">
             <a:avLst/>
@@ -4380,6 +4344,13 @@
           <a:lstStyle/>
           <a:p>
             <a:pPr algn="ctr"/>
+            <a:endParaRPr lang="en-GB" sz="2400" dirty="0">
+              <a:latin typeface="Arial" panose="020B0604020202020204" pitchFamily="34" charset="0"/>
+              <a:cs typeface="Arial" panose="020B0604020202020204" pitchFamily="34" charset="0"/>
+            </a:endParaRPr>
+          </a:p>
+          <a:p>
+            <a:pPr algn="ctr"/>
             <a:r>
               <a:rPr lang="en-GB" sz="2400" dirty="0">
                 <a:latin typeface="Arial" panose="020B0604020202020204" pitchFamily="34" charset="0"/>
@@ -4395,14 +4366,24 @@
                 <a:latin typeface="Arial" panose="020B0604020202020204" pitchFamily="34" charset="0"/>
                 <a:cs typeface="Arial" panose="020B0604020202020204" pitchFamily="34" charset="0"/>
               </a:rPr>
-              <a:t>DID</a:t>
+              <a:t>DID NOT </a:t>
             </a:r>
             <a:r>
               <a:rPr lang="en-GB" sz="2400" dirty="0">
                 <a:latin typeface="Arial" panose="020B0604020202020204" pitchFamily="34" charset="0"/>
                 <a:cs typeface="Arial" panose="020B0604020202020204" pitchFamily="34" charset="0"/>
               </a:rPr>
-              <a:t> appear in the sequence you just saw </a:t>
+              <a:t>appear </a:t>
+            </a:r>
+          </a:p>
+          <a:p>
+            <a:pPr algn="ctr"/>
+            <a:r>
+              <a:rPr lang="en-GB" sz="2400" dirty="0">
+                <a:latin typeface="Arial" panose="020B0604020202020204" pitchFamily="34" charset="0"/>
+                <a:cs typeface="Arial" panose="020B0604020202020204" pitchFamily="34" charset="0"/>
+              </a:rPr>
+              <a:t>in the sequence you just saw </a:t>
             </a:r>
             <a:r>
               <a:rPr lang="en-GB" sz="2400" dirty="0">
@@ -4412,44 +4393,7 @@
                 <a:latin typeface="Arial" panose="020B0604020202020204" pitchFamily="34" charset="0"/>
                 <a:cs typeface="Arial" panose="020B0604020202020204" pitchFamily="34" charset="0"/>
               </a:rPr>
-              <a:t>press “J” </a:t>
-            </a:r>
-          </a:p>
-          <a:p>
-            <a:pPr algn="ctr"/>
-            <a:r>
-              <a:rPr lang="en-GB" sz="2400" dirty="0">
-                <a:latin typeface="Arial" panose="020B0604020202020204" pitchFamily="34" charset="0"/>
-                <a:cs typeface="Arial" panose="020B0604020202020204" pitchFamily="34" charset="0"/>
-              </a:rPr>
-              <a:t>If you think that the target face </a:t>
-            </a:r>
-            <a:r>
-              <a:rPr lang="en-GB" sz="2400" u="sng" dirty="0">
-                <a:solidFill>
-                  <a:srgbClr val="FF0000"/>
-                </a:solidFill>
-                <a:latin typeface="Arial" panose="020B0604020202020204" pitchFamily="34" charset="0"/>
-                <a:cs typeface="Arial" panose="020B0604020202020204" pitchFamily="34" charset="0"/>
-              </a:rPr>
-              <a:t>DID NOT </a:t>
-            </a:r>
-            <a:r>
-              <a:rPr lang="en-GB" sz="2400" dirty="0">
-                <a:latin typeface="Arial" panose="020B0604020202020204" pitchFamily="34" charset="0"/>
-                <a:cs typeface="Arial" panose="020B0604020202020204" pitchFamily="34" charset="0"/>
-              </a:rPr>
-              <a:t>appear in the sequence you just saw </a:t>
-            </a:r>
-            <a:r>
-              <a:rPr lang="en-GB" sz="2400" dirty="0">
-                <a:solidFill>
-                  <a:srgbClr val="FF0000"/>
-                </a:solidFill>
-                <a:latin typeface="Arial" panose="020B0604020202020204" pitchFamily="34" charset="0"/>
-                <a:cs typeface="Arial" panose="020B0604020202020204" pitchFamily="34" charset="0"/>
-              </a:rPr>
-              <a:t>press “F”</a:t>
+              <a:t>press </a:t>
             </a:r>
             <a:endParaRPr lang="en-DE" sz="2400" dirty="0">
               <a:solidFill>
@@ -4468,53 +4412,176 @@
           </a:p>
         </p:txBody>
       </p:sp>
-      <p:sp>
-        <p:nvSpPr>
-          <p:cNvPr id="2" name="Rectangle 1">
-            <a:extLst>
-              <a:ext uri="{FF2B5EF4-FFF2-40B4-BE49-F238E27FC236}">
-                <a16:creationId xmlns:a16="http://schemas.microsoft.com/office/drawing/2014/main" id="{FF81C59E-5CF2-4605-A966-31036B08F77C}"/>
-              </a:ext>
-            </a:extLst>
-          </p:cNvPr>
-          <p:cNvSpPr/>
+      <p:pic>
+        <p:nvPicPr>
+          <p:cNvPr id="4" name="Picture 3" descr="A screenshot of a social media post&#10;&#10;Description automatically generated">
+            <a:extLst>
+              <a:ext uri="{FF2B5EF4-FFF2-40B4-BE49-F238E27FC236}">
+                <a16:creationId xmlns:a16="http://schemas.microsoft.com/office/drawing/2014/main" id="{583FAA9C-D253-4C95-84D5-7842B50998AD}"/>
+              </a:ext>
+            </a:extLst>
+          </p:cNvPr>
+          <p:cNvPicPr>
+            <a:picLocks noChangeAspect="1"/>
+          </p:cNvPicPr>
           <p:nvPr/>
-        </p:nvSpPr>
+        </p:nvPicPr>
+        <p:blipFill rotWithShape="1">
+          <a:blip r:embed="rId2">
+            <a:extLst>
+              <a:ext uri="{28A0092B-C50C-407E-A947-70E740481C1C}">
+                <a14:useLocalDpi xmlns:a14="http://schemas.microsoft.com/office/drawing/2010/main" val="0"/>
+              </a:ext>
+            </a:extLst>
+          </a:blip>
+          <a:srcRect t="13582" b="36651"/>
+          <a:stretch/>
+        </p:blipFill>
         <p:spPr>
           <a:xfrm>
-            <a:off x="4838700" y="2218514"/>
-            <a:ext cx="2501900" cy="2577383"/>
+            <a:off x="2029619" y="1869778"/>
+            <a:ext cx="8132762" cy="2181522"/>
+          </a:xfrm>
+          <a:prstGeom prst="rect">
+            <a:avLst/>
+          </a:prstGeom>
+        </p:spPr>
+      </p:pic>
+      <p:pic>
+        <p:nvPicPr>
+          <p:cNvPr id="10" name="Picture 9" descr="A screenshot of a social media post&#10;&#10;Description automatically generated">
+            <a:extLst>
+              <a:ext uri="{FF2B5EF4-FFF2-40B4-BE49-F238E27FC236}">
+                <a16:creationId xmlns:a16="http://schemas.microsoft.com/office/drawing/2014/main" id="{58205E59-E033-4076-9EAA-98F3E98D0B87}"/>
+              </a:ext>
+            </a:extLst>
+          </p:cNvPr>
+          <p:cNvPicPr>
+            <a:picLocks noChangeAspect="1"/>
+          </p:cNvPicPr>
+          <p:nvPr/>
+        </p:nvPicPr>
+        <p:blipFill rotWithShape="1">
+          <a:blip r:embed="rId2">
+            <a:extLst>
+              <a:ext uri="{28A0092B-C50C-407E-A947-70E740481C1C}">
+                <a14:useLocalDpi xmlns:a14="http://schemas.microsoft.com/office/drawing/2010/main" val="0"/>
+              </a:ext>
+            </a:extLst>
+          </a:blip>
+          <a:srcRect l="37900" t="63395" r="51874" b="25625"/>
+          <a:stretch/>
+        </p:blipFill>
+        <p:spPr>
+          <a:xfrm>
+            <a:off x="10641873" y="4219297"/>
+            <a:ext cx="831669" cy="481296"/>
+          </a:xfrm>
+          <a:prstGeom prst="rect">
+            <a:avLst/>
+          </a:prstGeom>
+        </p:spPr>
+      </p:pic>
+      <p:pic>
+        <p:nvPicPr>
+          <p:cNvPr id="11" name="Picture 10" descr="A screenshot of a social media post&#10;&#10;Description automatically generated">
+            <a:extLst>
+              <a:ext uri="{FF2B5EF4-FFF2-40B4-BE49-F238E27FC236}">
+                <a16:creationId xmlns:a16="http://schemas.microsoft.com/office/drawing/2014/main" id="{74B29991-115A-42C8-9D78-A789155DD1B1}"/>
+              </a:ext>
+            </a:extLst>
+          </p:cNvPr>
+          <p:cNvPicPr>
+            <a:picLocks noChangeAspect="1"/>
+          </p:cNvPicPr>
+          <p:nvPr/>
+        </p:nvPicPr>
+        <p:blipFill rotWithShape="1">
+          <a:blip r:embed="rId2">
+            <a:extLst>
+              <a:ext uri="{28A0092B-C50C-407E-A947-70E740481C1C}">
+                <a14:useLocalDpi xmlns:a14="http://schemas.microsoft.com/office/drawing/2010/main" val="0"/>
+              </a:ext>
+            </a:extLst>
+          </a:blip>
+          <a:srcRect l="48126" t="64220" r="36722" b="25174"/>
+          <a:stretch/>
+        </p:blipFill>
+        <p:spPr>
+          <a:xfrm>
+            <a:off x="8328926" y="5361895"/>
+            <a:ext cx="1232264" cy="464863"/>
+          </a:xfrm>
+          <a:prstGeom prst="rect">
+            <a:avLst/>
+          </a:prstGeom>
+        </p:spPr>
+      </p:pic>
+      <p:sp>
+        <p:nvSpPr>
+          <p:cNvPr id="5" name="TextBox 4">
+            <a:extLst>
+              <a:ext uri="{FF2B5EF4-FFF2-40B4-BE49-F238E27FC236}">
+                <a16:creationId xmlns:a16="http://schemas.microsoft.com/office/drawing/2014/main" id="{7ED606C2-FF74-422D-9EA7-A4F41739A4D1}"/>
+              </a:ext>
+            </a:extLst>
+          </p:cNvPr>
+          <p:cNvSpPr txBox="1"/>
+          <p:nvPr/>
+        </p:nvSpPr>
+        <p:spPr>
+          <a:xfrm>
+            <a:off x="1706891" y="4219297"/>
+            <a:ext cx="9166292" cy="830997"/>
           </a:xfrm>
           <a:prstGeom prst="rect">
             <a:avLst/>
           </a:prstGeom>
           <a:noFill/>
-          <a:ln w="28575">
-            <a:solidFill>
-              <a:srgbClr val="FF0000"/>
-            </a:solidFill>
-          </a:ln>
         </p:spPr>
-        <p:style>
-          <a:lnRef idx="2">
-            <a:schemeClr val="accent1"/>
-          </a:lnRef>
-          <a:fillRef idx="1">
-            <a:schemeClr val="lt1"/>
-          </a:fillRef>
-          <a:effectRef idx="0">
-            <a:schemeClr val="accent1"/>
-          </a:effectRef>
-          <a:fontRef idx="minor">
-            <a:schemeClr val="dk1"/>
-          </a:fontRef>
-        </p:style>
-        <p:txBody>
-          <a:bodyPr rtlCol="0" anchor="ctr"/>
+        <p:txBody>
+          <a:bodyPr wrap="none" rtlCol="0">
+            <a:spAutoFit/>
+          </a:bodyPr>
           <a:lstStyle/>
           <a:p>
-            <a:pPr algn="ctr"/>
-            <a:endParaRPr lang="en-GB"/>
+            <a:r>
+              <a:rPr lang="en-GB" sz="2400" dirty="0">
+                <a:latin typeface="Arial" panose="020B0604020202020204" pitchFamily="34" charset="0"/>
+                <a:cs typeface="Arial" panose="020B0604020202020204" pitchFamily="34" charset="0"/>
+              </a:rPr>
+              <a:t>If you think that the target face </a:t>
+            </a:r>
+            <a:r>
+              <a:rPr lang="en-GB" sz="2400" u="sng" dirty="0">
+                <a:solidFill>
+                  <a:srgbClr val="FF0000"/>
+                </a:solidFill>
+                <a:latin typeface="Arial" panose="020B0604020202020204" pitchFamily="34" charset="0"/>
+                <a:cs typeface="Arial" panose="020B0604020202020204" pitchFamily="34" charset="0"/>
+              </a:rPr>
+              <a:t>DID</a:t>
+            </a:r>
+            <a:r>
+              <a:rPr lang="en-GB" sz="2400" dirty="0">
+                <a:latin typeface="Arial" panose="020B0604020202020204" pitchFamily="34" charset="0"/>
+                <a:cs typeface="Arial" panose="020B0604020202020204" pitchFamily="34" charset="0"/>
+              </a:rPr>
+              <a:t> appear in the sequence </a:t>
+            </a:r>
+            <a:r>
+              <a:rPr lang="en-GB" sz="2400" dirty="0">
+                <a:solidFill>
+                  <a:srgbClr val="FF0000"/>
+                </a:solidFill>
+                <a:latin typeface="Arial" panose="020B0604020202020204" pitchFamily="34" charset="0"/>
+                <a:cs typeface="Arial" panose="020B0604020202020204" pitchFamily="34" charset="0"/>
+              </a:rPr>
+              <a:t>press </a:t>
+            </a:r>
+          </a:p>
+          <a:p>
+            <a:endParaRPr lang="en-GB" sz="2400" dirty="0"/>
           </a:p>
         </p:txBody>
       </p:sp>
